--- a/documents/architecture.pptx
+++ b/documents/architecture.pptx
@@ -9,6 +9,7 @@
     <p:sldId id="258" r:id="rId3"/>
     <p:sldId id="259" r:id="rId4"/>
     <p:sldId id="260" r:id="rId5"/>
+    <p:sldId id="261" r:id="rId6"/>
   </p:sldIdLst>
   <p:sldSz cx="12192000" cy="6858000"/>
   <p:notesSz cx="6858000" cy="9144000"/>
@@ -115,6 +116,193 @@
 </p:presentation>
 </file>
 
+<file path=ppt/changesInfos/changesInfo1.xml><?xml version="1.0" encoding="utf-8"?>
+<pc:chgInfo xmlns:a="http://schemas.openxmlformats.org/drawingml/2006/main" xmlns:r="http://schemas.openxmlformats.org/officeDocument/2006/relationships" xmlns:ac="http://schemas.microsoft.com/office/drawing/2013/main/command" xmlns:pc="http://schemas.microsoft.com/office/powerpoint/2013/main/command">
+  <pc:docChgLst>
+    <pc:chgData name="Toyoda Tomoya" userId="0a3ab93e8bc1c970" providerId="LiveId" clId="{ABC2506A-91AA-4F98-8595-CF2A5D3CC4B1}"/>
+    <pc:docChg chg="undo custSel addSld modSld">
+      <pc:chgData name="Toyoda Tomoya" userId="0a3ab93e8bc1c970" providerId="LiveId" clId="{ABC2506A-91AA-4F98-8595-CF2A5D3CC4B1}" dt="2020-08-24T03:46:25.026" v="378" actId="207"/>
+      <pc:docMkLst>
+        <pc:docMk/>
+      </pc:docMkLst>
+      <pc:sldChg chg="modSp">
+        <pc:chgData name="Toyoda Tomoya" userId="0a3ab93e8bc1c970" providerId="LiveId" clId="{ABC2506A-91AA-4F98-8595-CF2A5D3CC4B1}" dt="2020-08-24T03:46:25.026" v="378" actId="207"/>
+        <pc:sldMkLst>
+          <pc:docMk/>
+          <pc:sldMk cId="827728878" sldId="257"/>
+        </pc:sldMkLst>
+        <pc:spChg chg="mod">
+          <ac:chgData name="Toyoda Tomoya" userId="0a3ab93e8bc1c970" providerId="LiveId" clId="{ABC2506A-91AA-4F98-8595-CF2A5D3CC4B1}" dt="2020-08-24T03:46:25.026" v="378" actId="207"/>
+          <ac:spMkLst>
+            <pc:docMk/>
+            <pc:sldMk cId="827728878" sldId="257"/>
+            <ac:spMk id="9" creationId="{392FEC62-50BA-4A4C-8AEE-19B40AD6FC1F}"/>
+          </ac:spMkLst>
+        </pc:spChg>
+      </pc:sldChg>
+      <pc:sldChg chg="modSp mod">
+        <pc:chgData name="Toyoda Tomoya" userId="0a3ab93e8bc1c970" providerId="LiveId" clId="{ABC2506A-91AA-4F98-8595-CF2A5D3CC4B1}" dt="2020-08-23T23:12:59.170" v="18" actId="20577"/>
+        <pc:sldMkLst>
+          <pc:docMk/>
+          <pc:sldMk cId="12348037" sldId="260"/>
+        </pc:sldMkLst>
+        <pc:spChg chg="mod">
+          <ac:chgData name="Toyoda Tomoya" userId="0a3ab93e8bc1c970" providerId="LiveId" clId="{ABC2506A-91AA-4F98-8595-CF2A5D3CC4B1}" dt="2020-08-23T23:12:59.170" v="18" actId="20577"/>
+          <ac:spMkLst>
+            <pc:docMk/>
+            <pc:sldMk cId="12348037" sldId="260"/>
+            <ac:spMk id="2" creationId="{3E80BB7B-3231-4DB0-819A-991BD187838E}"/>
+          </ac:spMkLst>
+        </pc:spChg>
+      </pc:sldChg>
+      <pc:sldChg chg="addSp delSp modSp new mod">
+        <pc:chgData name="Toyoda Tomoya" userId="0a3ab93e8bc1c970" providerId="LiveId" clId="{ABC2506A-91AA-4F98-8595-CF2A5D3CC4B1}" dt="2020-08-24T03:20:07.637" v="377" actId="14100"/>
+        <pc:sldMkLst>
+          <pc:docMk/>
+          <pc:sldMk cId="1065969210" sldId="261"/>
+        </pc:sldMkLst>
+        <pc:spChg chg="mod">
+          <ac:chgData name="Toyoda Tomoya" userId="0a3ab93e8bc1c970" providerId="LiveId" clId="{ABC2506A-91AA-4F98-8595-CF2A5D3CC4B1}" dt="2020-08-23T23:13:05.248" v="31" actId="20577"/>
+          <ac:spMkLst>
+            <pc:docMk/>
+            <pc:sldMk cId="1065969210" sldId="261"/>
+            <ac:spMk id="2" creationId="{50ECF801-A690-4288-B85F-DD4FD0703784}"/>
+          </ac:spMkLst>
+        </pc:spChg>
+        <pc:spChg chg="add mod">
+          <ac:chgData name="Toyoda Tomoya" userId="0a3ab93e8bc1c970" providerId="LiveId" clId="{ABC2506A-91AA-4F98-8595-CF2A5D3CC4B1}" dt="2020-08-24T03:10:54.916" v="338" actId="14100"/>
+          <ac:spMkLst>
+            <pc:docMk/>
+            <pc:sldMk cId="1065969210" sldId="261"/>
+            <ac:spMk id="3" creationId="{68E05015-015D-4188-9DBB-3C572E28827B}"/>
+          </ac:spMkLst>
+        </pc:spChg>
+        <pc:spChg chg="add del mod">
+          <ac:chgData name="Toyoda Tomoya" userId="0a3ab93e8bc1c970" providerId="LiveId" clId="{ABC2506A-91AA-4F98-8595-CF2A5D3CC4B1}" dt="2020-08-23T23:14:00.025" v="155" actId="478"/>
+          <ac:spMkLst>
+            <pc:docMk/>
+            <pc:sldMk cId="1065969210" sldId="261"/>
+            <ac:spMk id="4" creationId="{62C49480-BF14-4B93-9184-6A5054A59EA5}"/>
+          </ac:spMkLst>
+        </pc:spChg>
+        <pc:spChg chg="add del mod">
+          <ac:chgData name="Toyoda Tomoya" userId="0a3ab93e8bc1c970" providerId="LiveId" clId="{ABC2506A-91AA-4F98-8595-CF2A5D3CC4B1}" dt="2020-08-24T03:04:49.628" v="189" actId="478"/>
+          <ac:spMkLst>
+            <pc:docMk/>
+            <pc:sldMk cId="1065969210" sldId="261"/>
+            <ac:spMk id="5" creationId="{D5E80E33-C73C-4A94-853D-4210CE720930}"/>
+          </ac:spMkLst>
+        </pc:spChg>
+        <pc:spChg chg="add del mod">
+          <ac:chgData name="Toyoda Tomoya" userId="0a3ab93e8bc1c970" providerId="LiveId" clId="{ABC2506A-91AA-4F98-8595-CF2A5D3CC4B1}" dt="2020-08-24T03:04:49.628" v="189" actId="478"/>
+          <ac:spMkLst>
+            <pc:docMk/>
+            <pc:sldMk cId="1065969210" sldId="261"/>
+            <ac:spMk id="6" creationId="{16D37C06-06BC-4A2C-AB36-A6414144B5B0}"/>
+          </ac:spMkLst>
+        </pc:spChg>
+        <pc:spChg chg="add del mod">
+          <ac:chgData name="Toyoda Tomoya" userId="0a3ab93e8bc1c970" providerId="LiveId" clId="{ABC2506A-91AA-4F98-8595-CF2A5D3CC4B1}" dt="2020-08-24T03:04:49.628" v="189" actId="478"/>
+          <ac:spMkLst>
+            <pc:docMk/>
+            <pc:sldMk cId="1065969210" sldId="261"/>
+            <ac:spMk id="7" creationId="{87954A59-E794-478F-A0BA-95A061251C28}"/>
+          </ac:spMkLst>
+        </pc:spChg>
+        <pc:spChg chg="add del mod ord">
+          <ac:chgData name="Toyoda Tomoya" userId="0a3ab93e8bc1c970" providerId="LiveId" clId="{ABC2506A-91AA-4F98-8595-CF2A5D3CC4B1}" dt="2020-08-24T03:06:25.737" v="336" actId="478"/>
+          <ac:spMkLst>
+            <pc:docMk/>
+            <pc:sldMk cId="1065969210" sldId="261"/>
+            <ac:spMk id="8" creationId="{A02E9D37-25CE-4C7D-B05F-C08425643943}"/>
+          </ac:spMkLst>
+        </pc:spChg>
+        <pc:spChg chg="add mod">
+          <ac:chgData name="Toyoda Tomoya" userId="0a3ab93e8bc1c970" providerId="LiveId" clId="{ABC2506A-91AA-4F98-8595-CF2A5D3CC4B1}" dt="2020-08-24T03:05:56.697" v="303" actId="20577"/>
+          <ac:spMkLst>
+            <pc:docMk/>
+            <pc:sldMk cId="1065969210" sldId="261"/>
+            <ac:spMk id="11" creationId="{08F91E7A-A6CC-4E68-BECE-4854D730C14D}"/>
+          </ac:spMkLst>
+        </pc:spChg>
+        <pc:spChg chg="add mod">
+          <ac:chgData name="Toyoda Tomoya" userId="0a3ab93e8bc1c970" providerId="LiveId" clId="{ABC2506A-91AA-4F98-8595-CF2A5D3CC4B1}" dt="2020-08-24T03:06:16.619" v="333" actId="571"/>
+          <ac:spMkLst>
+            <pc:docMk/>
+            <pc:sldMk cId="1065969210" sldId="261"/>
+            <ac:spMk id="12" creationId="{2CB4DA64-AADF-484C-93B3-69B2D75C335A}"/>
+          </ac:spMkLst>
+        </pc:spChg>
+        <pc:spChg chg="add mod">
+          <ac:chgData name="Toyoda Tomoya" userId="0a3ab93e8bc1c970" providerId="LiveId" clId="{ABC2506A-91AA-4F98-8595-CF2A5D3CC4B1}" dt="2020-08-24T03:06:16.619" v="333" actId="571"/>
+          <ac:spMkLst>
+            <pc:docMk/>
+            <pc:sldMk cId="1065969210" sldId="261"/>
+            <ac:spMk id="14" creationId="{50C1AB6C-6A80-435B-A93B-769B8438EF19}"/>
+          </ac:spMkLst>
+        </pc:spChg>
+        <pc:spChg chg="add mod">
+          <ac:chgData name="Toyoda Tomoya" userId="0a3ab93e8bc1c970" providerId="LiveId" clId="{ABC2506A-91AA-4F98-8595-CF2A5D3CC4B1}" dt="2020-08-24T03:06:18.709" v="334" actId="571"/>
+          <ac:spMkLst>
+            <pc:docMk/>
+            <pc:sldMk cId="1065969210" sldId="261"/>
+            <ac:spMk id="15" creationId="{05FAF5B3-D166-4700-9FDA-F3DE6FE9568D}"/>
+          </ac:spMkLst>
+        </pc:spChg>
+        <pc:spChg chg="add mod">
+          <ac:chgData name="Toyoda Tomoya" userId="0a3ab93e8bc1c970" providerId="LiveId" clId="{ABC2506A-91AA-4F98-8595-CF2A5D3CC4B1}" dt="2020-08-24T03:06:18.709" v="334" actId="571"/>
+          <ac:spMkLst>
+            <pc:docMk/>
+            <pc:sldMk cId="1065969210" sldId="261"/>
+            <ac:spMk id="17" creationId="{EB88E3B4-B6D4-4E53-8EF3-166173170AC7}"/>
+          </ac:spMkLst>
+        </pc:spChg>
+        <pc:spChg chg="add mod">
+          <ac:chgData name="Toyoda Tomoya" userId="0a3ab93e8bc1c970" providerId="LiveId" clId="{ABC2506A-91AA-4F98-8595-CF2A5D3CC4B1}" dt="2020-08-24T03:19:54.293" v="350" actId="1076"/>
+          <ac:spMkLst>
+            <pc:docMk/>
+            <pc:sldMk cId="1065969210" sldId="261"/>
+            <ac:spMk id="18" creationId="{BD4C2263-7C16-4BF2-AC4B-462D73C491D8}"/>
+          </ac:spMkLst>
+        </pc:spChg>
+        <pc:spChg chg="add mod">
+          <ac:chgData name="Toyoda Tomoya" userId="0a3ab93e8bc1c970" providerId="LiveId" clId="{ABC2506A-91AA-4F98-8595-CF2A5D3CC4B1}" dt="2020-08-24T03:20:07.637" v="377" actId="14100"/>
+          <ac:spMkLst>
+            <pc:docMk/>
+            <pc:sldMk cId="1065969210" sldId="261"/>
+            <ac:spMk id="19" creationId="{E3BDBDA1-CFF9-4064-A86D-A3CBD5512DE7}"/>
+          </ac:spMkLst>
+        </pc:spChg>
+        <pc:cxnChg chg="add mod">
+          <ac:chgData name="Toyoda Tomoya" userId="0a3ab93e8bc1c970" providerId="LiveId" clId="{ABC2506A-91AA-4F98-8595-CF2A5D3CC4B1}" dt="2020-08-24T03:05:29.712" v="238" actId="208"/>
+          <ac:cxnSpMkLst>
+            <pc:docMk/>
+            <pc:sldMk cId="1065969210" sldId="261"/>
+            <ac:cxnSpMk id="10" creationId="{039BF737-00DB-4041-9DDD-BAFA948C13B8}"/>
+          </ac:cxnSpMkLst>
+        </pc:cxnChg>
+        <pc:cxnChg chg="add mod">
+          <ac:chgData name="Toyoda Tomoya" userId="0a3ab93e8bc1c970" providerId="LiveId" clId="{ABC2506A-91AA-4F98-8595-CF2A5D3CC4B1}" dt="2020-08-24T03:06:16.619" v="333" actId="571"/>
+          <ac:cxnSpMkLst>
+            <pc:docMk/>
+            <pc:sldMk cId="1065969210" sldId="261"/>
+            <ac:cxnSpMk id="13" creationId="{0E88475A-B2F7-4952-B73A-28A8EEFBD0EB}"/>
+          </ac:cxnSpMkLst>
+        </pc:cxnChg>
+        <pc:cxnChg chg="add mod">
+          <ac:chgData name="Toyoda Tomoya" userId="0a3ab93e8bc1c970" providerId="LiveId" clId="{ABC2506A-91AA-4F98-8595-CF2A5D3CC4B1}" dt="2020-08-24T03:06:18.709" v="334" actId="571"/>
+          <ac:cxnSpMkLst>
+            <pc:docMk/>
+            <pc:sldMk cId="1065969210" sldId="261"/>
+            <ac:cxnSpMk id="16" creationId="{1953E595-3E5B-47CB-BBF2-19C815BB1C6D}"/>
+          </ac:cxnSpMkLst>
+        </pc:cxnChg>
+      </pc:sldChg>
+    </pc:docChg>
+  </pc:docChgLst>
+</pc:chgInfo>
+</file>
+
 <file path=ppt/slideLayouts/slideLayout1.xml><?xml version="1.0" encoding="utf-8"?>
 <p:sldLayout xmlns:a="http://schemas.openxmlformats.org/drawingml/2006/main" xmlns:r="http://schemas.openxmlformats.org/officeDocument/2006/relationships" xmlns:p="http://schemas.openxmlformats.org/presentationml/2006/main" type="title" preserve="1">
   <p:cSld name="タイトル スライド">
@@ -262,7 +450,7 @@
           <a:p>
             <a:fld id="{9B924644-FDC6-443C-B531-B104840B86D5}" type="datetimeFigureOut">
               <a:rPr kumimoji="1" lang="ja-JP" altLang="en-US" smtClean="0"/>
-              <a:t>2020/8/22</a:t>
+              <a:t>2020/8/24</a:t>
             </a:fld>
             <a:endParaRPr kumimoji="1" lang="ja-JP" altLang="en-US"/>
           </a:p>
@@ -492,7 +680,7 @@
           <a:p>
             <a:fld id="{9B924644-FDC6-443C-B531-B104840B86D5}" type="datetimeFigureOut">
               <a:rPr kumimoji="1" lang="ja-JP" altLang="en-US" smtClean="0"/>
-              <a:t>2020/8/22</a:t>
+              <a:t>2020/8/24</a:t>
             </a:fld>
             <a:endParaRPr kumimoji="1" lang="ja-JP" altLang="en-US"/>
           </a:p>
@@ -732,7 +920,7 @@
           <a:p>
             <a:fld id="{9B924644-FDC6-443C-B531-B104840B86D5}" type="datetimeFigureOut">
               <a:rPr kumimoji="1" lang="ja-JP" altLang="en-US" smtClean="0"/>
-              <a:t>2020/8/22</a:t>
+              <a:t>2020/8/24</a:t>
             </a:fld>
             <a:endParaRPr kumimoji="1" lang="ja-JP" altLang="en-US"/>
           </a:p>
@@ -962,7 +1150,7 @@
           <a:p>
             <a:fld id="{9B924644-FDC6-443C-B531-B104840B86D5}" type="datetimeFigureOut">
               <a:rPr kumimoji="1" lang="ja-JP" altLang="en-US" smtClean="0"/>
-              <a:t>2020/8/22</a:t>
+              <a:t>2020/8/24</a:t>
             </a:fld>
             <a:endParaRPr kumimoji="1" lang="ja-JP" altLang="en-US"/>
           </a:p>
@@ -1237,7 +1425,7 @@
           <a:p>
             <a:fld id="{9B924644-FDC6-443C-B531-B104840B86D5}" type="datetimeFigureOut">
               <a:rPr kumimoji="1" lang="ja-JP" altLang="en-US" smtClean="0"/>
-              <a:t>2020/8/22</a:t>
+              <a:t>2020/8/24</a:t>
             </a:fld>
             <a:endParaRPr kumimoji="1" lang="ja-JP" altLang="en-US"/>
           </a:p>
@@ -1566,7 +1754,7 @@
           <a:p>
             <a:fld id="{9B924644-FDC6-443C-B531-B104840B86D5}" type="datetimeFigureOut">
               <a:rPr kumimoji="1" lang="ja-JP" altLang="en-US" smtClean="0"/>
-              <a:t>2020/8/22</a:t>
+              <a:t>2020/8/24</a:t>
             </a:fld>
             <a:endParaRPr kumimoji="1" lang="ja-JP" altLang="en-US"/>
           </a:p>
@@ -2042,7 +2230,7 @@
           <a:p>
             <a:fld id="{9B924644-FDC6-443C-B531-B104840B86D5}" type="datetimeFigureOut">
               <a:rPr kumimoji="1" lang="ja-JP" altLang="en-US" smtClean="0"/>
-              <a:t>2020/8/22</a:t>
+              <a:t>2020/8/24</a:t>
             </a:fld>
             <a:endParaRPr kumimoji="1" lang="ja-JP" altLang="en-US"/>
           </a:p>
@@ -2183,7 +2371,7 @@
           <a:p>
             <a:fld id="{9B924644-FDC6-443C-B531-B104840B86D5}" type="datetimeFigureOut">
               <a:rPr kumimoji="1" lang="ja-JP" altLang="en-US" smtClean="0"/>
-              <a:t>2020/8/22</a:t>
+              <a:t>2020/8/24</a:t>
             </a:fld>
             <a:endParaRPr kumimoji="1" lang="ja-JP" altLang="en-US"/>
           </a:p>
@@ -2296,7 +2484,7 @@
           <a:p>
             <a:fld id="{9B924644-FDC6-443C-B531-B104840B86D5}" type="datetimeFigureOut">
               <a:rPr kumimoji="1" lang="ja-JP" altLang="en-US" smtClean="0"/>
-              <a:t>2020/8/22</a:t>
+              <a:t>2020/8/24</a:t>
             </a:fld>
             <a:endParaRPr kumimoji="1" lang="ja-JP" altLang="en-US"/>
           </a:p>
@@ -2639,7 +2827,7 @@
           <a:p>
             <a:fld id="{9B924644-FDC6-443C-B531-B104840B86D5}" type="datetimeFigureOut">
               <a:rPr kumimoji="1" lang="ja-JP" altLang="en-US" smtClean="0"/>
-              <a:t>2020/8/22</a:t>
+              <a:t>2020/8/24</a:t>
             </a:fld>
             <a:endParaRPr kumimoji="1" lang="ja-JP" altLang="en-US"/>
           </a:p>
@@ -2927,7 +3115,7 @@
           <a:p>
             <a:fld id="{9B924644-FDC6-443C-B531-B104840B86D5}" type="datetimeFigureOut">
               <a:rPr kumimoji="1" lang="ja-JP" altLang="en-US" smtClean="0"/>
-              <a:t>2020/8/22</a:t>
+              <a:t>2020/8/24</a:t>
             </a:fld>
             <a:endParaRPr kumimoji="1" lang="ja-JP" altLang="en-US"/>
           </a:p>
@@ -3200,7 +3388,7 @@
           <a:p>
             <a:fld id="{9B924644-FDC6-443C-B531-B104840B86D5}" type="datetimeFigureOut">
               <a:rPr kumimoji="1" lang="ja-JP" altLang="en-US" smtClean="0"/>
-              <a:t>2020/8/22</a:t>
+              <a:t>2020/8/24</a:t>
             </a:fld>
             <a:endParaRPr kumimoji="1" lang="ja-JP" altLang="en-US"/>
           </a:p>
@@ -3962,7 +4150,7 @@
             <a:avLst/>
           </a:prstGeom>
           <a:solidFill>
-            <a:schemeClr val="bg1"/>
+            <a:schemeClr val="accent2"/>
           </a:solidFill>
           <a:ln>
             <a:solidFill>
@@ -4814,7 +5002,10 @@
           <a:bodyPr/>
           <a:lstStyle/>
           <a:p>
-            <a:endParaRPr kumimoji="1" lang="ja-JP" altLang="en-US"/>
+            <a:r>
+              <a:rPr kumimoji="1" lang="ja-JP" altLang="en-US" dirty="0"/>
+              <a:t>グローバルメニュー</a:t>
+            </a:r>
           </a:p>
         </p:txBody>
       </p:sp>
@@ -5053,6 +5244,827 @@
     <p:extLst>
       <p:ext uri="{BB962C8B-B14F-4D97-AF65-F5344CB8AC3E}">
         <p14:creationId xmlns:p14="http://schemas.microsoft.com/office/powerpoint/2010/main" val="12348037"/>
+      </p:ext>
+    </p:extLst>
+  </p:cSld>
+  <p:clrMapOvr>
+    <a:masterClrMapping/>
+  </p:clrMapOvr>
+</p:sld>
+</file>
+
+<file path=ppt/slides/slide5.xml><?xml version="1.0" encoding="utf-8"?>
+<p:sld xmlns:a="http://schemas.openxmlformats.org/drawingml/2006/main" xmlns:r="http://schemas.openxmlformats.org/officeDocument/2006/relationships" xmlns:p="http://schemas.openxmlformats.org/presentationml/2006/main">
+  <p:cSld>
+    <p:spTree>
+      <p:nvGrpSpPr>
+        <p:cNvPr id="1" name=""/>
+        <p:cNvGrpSpPr/>
+        <p:nvPr/>
+      </p:nvGrpSpPr>
+      <p:grpSpPr>
+        <a:xfrm>
+          <a:off x="0" y="0"/>
+          <a:ext cx="0" cy="0"/>
+          <a:chOff x="0" y="0"/>
+          <a:chExt cx="0" cy="0"/>
+        </a:xfrm>
+      </p:grpSpPr>
+      <p:sp>
+        <p:nvSpPr>
+          <p:cNvPr id="2" name="タイトル 1">
+            <a:extLst>
+              <a:ext uri="{FF2B5EF4-FFF2-40B4-BE49-F238E27FC236}">
+                <a16:creationId xmlns:a16="http://schemas.microsoft.com/office/drawing/2014/main" id="{50ECF801-A690-4288-B85F-DD4FD0703784}"/>
+              </a:ext>
+            </a:extLst>
+          </p:cNvPr>
+          <p:cNvSpPr>
+            <a:spLocks noGrp="1"/>
+          </p:cNvSpPr>
+          <p:nvPr>
+            <p:ph type="title"/>
+          </p:nvPr>
+        </p:nvSpPr>
+        <p:spPr/>
+        <p:txBody>
+          <a:bodyPr/>
+          <a:lstStyle/>
+          <a:p>
+            <a:r>
+              <a:rPr kumimoji="1" lang="ja-JP" altLang="en-US" dirty="0"/>
+              <a:t>記事一覧</a:t>
+            </a:r>
+          </a:p>
+        </p:txBody>
+      </p:sp>
+      <p:sp>
+        <p:nvSpPr>
+          <p:cNvPr id="3" name="正方形/長方形 2">
+            <a:extLst>
+              <a:ext uri="{FF2B5EF4-FFF2-40B4-BE49-F238E27FC236}">
+                <a16:creationId xmlns:a16="http://schemas.microsoft.com/office/drawing/2014/main" id="{68E05015-015D-4188-9DBB-3C572E28827B}"/>
+              </a:ext>
+            </a:extLst>
+          </p:cNvPr>
+          <p:cNvSpPr/>
+          <p:nvPr/>
+        </p:nvSpPr>
+        <p:spPr>
+          <a:xfrm>
+            <a:off x="2776754" y="1690688"/>
+            <a:ext cx="6395209" cy="1325562"/>
+          </a:xfrm>
+          <a:prstGeom prst="rect">
+            <a:avLst/>
+          </a:prstGeom>
+          <a:solidFill>
+            <a:schemeClr val="bg1"/>
+          </a:solidFill>
+          <a:ln>
+            <a:solidFill>
+              <a:schemeClr val="bg1">
+                <a:lumMod val="85000"/>
+              </a:schemeClr>
+            </a:solidFill>
+          </a:ln>
+        </p:spPr>
+        <p:style>
+          <a:lnRef idx="2">
+            <a:schemeClr val="accent1">
+              <a:shade val="50000"/>
+            </a:schemeClr>
+          </a:lnRef>
+          <a:fillRef idx="1">
+            <a:schemeClr val="accent1"/>
+          </a:fillRef>
+          <a:effectRef idx="0">
+            <a:schemeClr val="accent1"/>
+          </a:effectRef>
+          <a:fontRef idx="minor">
+            <a:schemeClr val="lt1"/>
+          </a:fontRef>
+        </p:style>
+        <p:txBody>
+          <a:bodyPr rtlCol="0" anchor="t"/>
+          <a:lstStyle/>
+          <a:p>
+            <a:r>
+              <a:rPr lang="en-US" altLang="ja-JP" dirty="0">
+                <a:solidFill>
+                  <a:schemeClr val="tx1"/>
+                </a:solidFill>
+              </a:rPr>
+              <a:t>#Angular, #</a:t>
+            </a:r>
+            <a:r>
+              <a:rPr lang="ja-JP" altLang="en-US" dirty="0">
+                <a:solidFill>
+                  <a:schemeClr val="tx1"/>
+                </a:solidFill>
+              </a:rPr>
+              <a:t>プログラミング</a:t>
+            </a:r>
+            <a:endParaRPr kumimoji="1" lang="en-US" altLang="ja-JP" dirty="0">
+              <a:solidFill>
+                <a:schemeClr val="tx1"/>
+              </a:solidFill>
+            </a:endParaRPr>
+          </a:p>
+          <a:p>
+            <a:r>
+              <a:rPr kumimoji="1" lang="en-US" altLang="ja-JP" dirty="0">
+                <a:solidFill>
+                  <a:schemeClr val="tx1"/>
+                </a:solidFill>
+              </a:rPr>
+              <a:t>2020-08-24【Angular】</a:t>
+            </a:r>
+            <a:r>
+              <a:rPr kumimoji="1" lang="ja-JP" altLang="en-US" dirty="0">
+                <a:solidFill>
+                  <a:schemeClr val="tx1"/>
+                </a:solidFill>
+              </a:rPr>
+              <a:t>ブログを作ってみた</a:t>
+            </a:r>
+            <a:endParaRPr kumimoji="1" lang="en-US" altLang="ja-JP" dirty="0">
+              <a:solidFill>
+                <a:schemeClr val="tx1"/>
+              </a:solidFill>
+            </a:endParaRPr>
+          </a:p>
+          <a:p>
+            <a:endParaRPr lang="en-US" altLang="ja-JP" dirty="0">
+              <a:solidFill>
+                <a:schemeClr val="tx1"/>
+              </a:solidFill>
+            </a:endParaRPr>
+          </a:p>
+          <a:p>
+            <a:r>
+              <a:rPr lang="ja-JP" altLang="en-US" dirty="0">
+                <a:solidFill>
+                  <a:schemeClr val="tx1"/>
+                </a:solidFill>
+              </a:rPr>
+              <a:t>　　　　　　　　サマリサマリサマリサマリサマリサマリ</a:t>
+            </a:r>
+            <a:r>
+              <a:rPr lang="en-US" altLang="ja-JP" dirty="0">
+                <a:solidFill>
+                  <a:schemeClr val="tx1"/>
+                </a:solidFill>
+              </a:rPr>
+              <a:t>..</a:t>
+            </a:r>
+            <a:endParaRPr kumimoji="1" lang="en-US" altLang="ja-JP" dirty="0">
+              <a:solidFill>
+                <a:schemeClr val="tx1"/>
+              </a:solidFill>
+            </a:endParaRPr>
+          </a:p>
+        </p:txBody>
+      </p:sp>
+      <p:cxnSp>
+        <p:nvCxnSpPr>
+          <p:cNvPr id="10" name="直線コネクタ 9">
+            <a:extLst>
+              <a:ext uri="{FF2B5EF4-FFF2-40B4-BE49-F238E27FC236}">
+                <a16:creationId xmlns:a16="http://schemas.microsoft.com/office/drawing/2014/main" id="{039BF737-00DB-4041-9DDD-BAFA948C13B8}"/>
+              </a:ext>
+            </a:extLst>
+          </p:cNvPr>
+          <p:cNvCxnSpPr/>
+          <p:nvPr/>
+        </p:nvCxnSpPr>
+        <p:spPr>
+          <a:xfrm>
+            <a:off x="2910980" y="2357306"/>
+            <a:ext cx="5897460" cy="0"/>
+          </a:xfrm>
+          <a:prstGeom prst="line">
+            <a:avLst/>
+          </a:prstGeom>
+          <a:ln>
+            <a:solidFill>
+              <a:schemeClr val="bg1">
+                <a:lumMod val="85000"/>
+              </a:schemeClr>
+            </a:solidFill>
+          </a:ln>
+        </p:spPr>
+        <p:style>
+          <a:lnRef idx="1">
+            <a:schemeClr val="accent1"/>
+          </a:lnRef>
+          <a:fillRef idx="0">
+            <a:schemeClr val="accent1"/>
+          </a:fillRef>
+          <a:effectRef idx="0">
+            <a:schemeClr val="accent1"/>
+          </a:effectRef>
+          <a:fontRef idx="minor">
+            <a:schemeClr val="tx1"/>
+          </a:fontRef>
+        </p:style>
+      </p:cxnSp>
+      <p:sp>
+        <p:nvSpPr>
+          <p:cNvPr id="11" name="正方形/長方形 10">
+            <a:extLst>
+              <a:ext uri="{FF2B5EF4-FFF2-40B4-BE49-F238E27FC236}">
+                <a16:creationId xmlns:a16="http://schemas.microsoft.com/office/drawing/2014/main" id="{08F91E7A-A6CC-4E68-BECE-4854D730C14D}"/>
+              </a:ext>
+            </a:extLst>
+          </p:cNvPr>
+          <p:cNvSpPr/>
+          <p:nvPr/>
+        </p:nvSpPr>
+        <p:spPr>
+          <a:xfrm>
+            <a:off x="3020037" y="2466363"/>
+            <a:ext cx="1518407" cy="461393"/>
+          </a:xfrm>
+          <a:prstGeom prst="rect">
+            <a:avLst/>
+          </a:prstGeom>
+        </p:spPr>
+        <p:style>
+          <a:lnRef idx="2">
+            <a:schemeClr val="accent1">
+              <a:shade val="50000"/>
+            </a:schemeClr>
+          </a:lnRef>
+          <a:fillRef idx="1">
+            <a:schemeClr val="accent1"/>
+          </a:fillRef>
+          <a:effectRef idx="0">
+            <a:schemeClr val="accent1"/>
+          </a:effectRef>
+          <a:fontRef idx="minor">
+            <a:schemeClr val="lt1"/>
+          </a:fontRef>
+        </p:style>
+        <p:txBody>
+          <a:bodyPr rtlCol="0" anchor="ctr"/>
+          <a:lstStyle/>
+          <a:p>
+            <a:pPr algn="ctr"/>
+            <a:r>
+              <a:rPr kumimoji="1" lang="ja-JP" altLang="en-US" dirty="0"/>
+              <a:t>サムネ</a:t>
+            </a:r>
+          </a:p>
+        </p:txBody>
+      </p:sp>
+      <p:sp>
+        <p:nvSpPr>
+          <p:cNvPr id="12" name="正方形/長方形 11">
+            <a:extLst>
+              <a:ext uri="{FF2B5EF4-FFF2-40B4-BE49-F238E27FC236}">
+                <a16:creationId xmlns:a16="http://schemas.microsoft.com/office/drawing/2014/main" id="{2CB4DA64-AADF-484C-93B3-69B2D75C335A}"/>
+              </a:ext>
+            </a:extLst>
+          </p:cNvPr>
+          <p:cNvSpPr/>
+          <p:nvPr/>
+        </p:nvSpPr>
+        <p:spPr>
+          <a:xfrm>
+            <a:off x="2776754" y="3284443"/>
+            <a:ext cx="6395209" cy="1325562"/>
+          </a:xfrm>
+          <a:prstGeom prst="rect">
+            <a:avLst/>
+          </a:prstGeom>
+          <a:solidFill>
+            <a:schemeClr val="bg1"/>
+          </a:solidFill>
+          <a:ln>
+            <a:solidFill>
+              <a:schemeClr val="bg1">
+                <a:lumMod val="85000"/>
+              </a:schemeClr>
+            </a:solidFill>
+          </a:ln>
+        </p:spPr>
+        <p:style>
+          <a:lnRef idx="2">
+            <a:schemeClr val="accent1">
+              <a:shade val="50000"/>
+            </a:schemeClr>
+          </a:lnRef>
+          <a:fillRef idx="1">
+            <a:schemeClr val="accent1"/>
+          </a:fillRef>
+          <a:effectRef idx="0">
+            <a:schemeClr val="accent1"/>
+          </a:effectRef>
+          <a:fontRef idx="minor">
+            <a:schemeClr val="lt1"/>
+          </a:fontRef>
+        </p:style>
+        <p:txBody>
+          <a:bodyPr rtlCol="0" anchor="t"/>
+          <a:lstStyle/>
+          <a:p>
+            <a:r>
+              <a:rPr lang="en-US" altLang="ja-JP" dirty="0">
+                <a:solidFill>
+                  <a:schemeClr val="tx1"/>
+                </a:solidFill>
+              </a:rPr>
+              <a:t>#Angular, #</a:t>
+            </a:r>
+            <a:r>
+              <a:rPr lang="ja-JP" altLang="en-US" dirty="0">
+                <a:solidFill>
+                  <a:schemeClr val="tx1"/>
+                </a:solidFill>
+              </a:rPr>
+              <a:t>プログラミング</a:t>
+            </a:r>
+            <a:endParaRPr kumimoji="1" lang="en-US" altLang="ja-JP" dirty="0">
+              <a:solidFill>
+                <a:schemeClr val="tx1"/>
+              </a:solidFill>
+            </a:endParaRPr>
+          </a:p>
+          <a:p>
+            <a:r>
+              <a:rPr kumimoji="1" lang="en-US" altLang="ja-JP" dirty="0">
+                <a:solidFill>
+                  <a:schemeClr val="tx1"/>
+                </a:solidFill>
+              </a:rPr>
+              <a:t>2020-08-24【Angular】</a:t>
+            </a:r>
+            <a:r>
+              <a:rPr kumimoji="1" lang="ja-JP" altLang="en-US" dirty="0">
+                <a:solidFill>
+                  <a:schemeClr val="tx1"/>
+                </a:solidFill>
+              </a:rPr>
+              <a:t>ブログを作ってみた</a:t>
+            </a:r>
+            <a:endParaRPr kumimoji="1" lang="en-US" altLang="ja-JP" dirty="0">
+              <a:solidFill>
+                <a:schemeClr val="tx1"/>
+              </a:solidFill>
+            </a:endParaRPr>
+          </a:p>
+          <a:p>
+            <a:endParaRPr lang="en-US" altLang="ja-JP" dirty="0">
+              <a:solidFill>
+                <a:schemeClr val="tx1"/>
+              </a:solidFill>
+            </a:endParaRPr>
+          </a:p>
+          <a:p>
+            <a:r>
+              <a:rPr lang="ja-JP" altLang="en-US" dirty="0">
+                <a:solidFill>
+                  <a:schemeClr val="tx1"/>
+                </a:solidFill>
+              </a:rPr>
+              <a:t>　　　　　　　　サマリサマリサマリサマリサマリサマリ</a:t>
+            </a:r>
+            <a:r>
+              <a:rPr lang="en-US" altLang="ja-JP" dirty="0">
+                <a:solidFill>
+                  <a:schemeClr val="tx1"/>
+                </a:solidFill>
+              </a:rPr>
+              <a:t>..</a:t>
+            </a:r>
+            <a:endParaRPr kumimoji="1" lang="en-US" altLang="ja-JP" dirty="0">
+              <a:solidFill>
+                <a:schemeClr val="tx1"/>
+              </a:solidFill>
+            </a:endParaRPr>
+          </a:p>
+        </p:txBody>
+      </p:sp>
+      <p:cxnSp>
+        <p:nvCxnSpPr>
+          <p:cNvPr id="13" name="直線コネクタ 12">
+            <a:extLst>
+              <a:ext uri="{FF2B5EF4-FFF2-40B4-BE49-F238E27FC236}">
+                <a16:creationId xmlns:a16="http://schemas.microsoft.com/office/drawing/2014/main" id="{0E88475A-B2F7-4952-B73A-28A8EEFBD0EB}"/>
+              </a:ext>
+            </a:extLst>
+          </p:cNvPr>
+          <p:cNvCxnSpPr/>
+          <p:nvPr/>
+        </p:nvCxnSpPr>
+        <p:spPr>
+          <a:xfrm>
+            <a:off x="2910980" y="3951061"/>
+            <a:ext cx="5897460" cy="0"/>
+          </a:xfrm>
+          <a:prstGeom prst="line">
+            <a:avLst/>
+          </a:prstGeom>
+          <a:ln>
+            <a:solidFill>
+              <a:schemeClr val="bg1">
+                <a:lumMod val="85000"/>
+              </a:schemeClr>
+            </a:solidFill>
+          </a:ln>
+        </p:spPr>
+        <p:style>
+          <a:lnRef idx="1">
+            <a:schemeClr val="accent1"/>
+          </a:lnRef>
+          <a:fillRef idx="0">
+            <a:schemeClr val="accent1"/>
+          </a:fillRef>
+          <a:effectRef idx="0">
+            <a:schemeClr val="accent1"/>
+          </a:effectRef>
+          <a:fontRef idx="minor">
+            <a:schemeClr val="tx1"/>
+          </a:fontRef>
+        </p:style>
+      </p:cxnSp>
+      <p:sp>
+        <p:nvSpPr>
+          <p:cNvPr id="14" name="正方形/長方形 13">
+            <a:extLst>
+              <a:ext uri="{FF2B5EF4-FFF2-40B4-BE49-F238E27FC236}">
+                <a16:creationId xmlns:a16="http://schemas.microsoft.com/office/drawing/2014/main" id="{50C1AB6C-6A80-435B-A93B-769B8438EF19}"/>
+              </a:ext>
+            </a:extLst>
+          </p:cNvPr>
+          <p:cNvSpPr/>
+          <p:nvPr/>
+        </p:nvSpPr>
+        <p:spPr>
+          <a:xfrm>
+            <a:off x="3020037" y="4060118"/>
+            <a:ext cx="1518407" cy="461393"/>
+          </a:xfrm>
+          <a:prstGeom prst="rect">
+            <a:avLst/>
+          </a:prstGeom>
+        </p:spPr>
+        <p:style>
+          <a:lnRef idx="2">
+            <a:schemeClr val="accent1">
+              <a:shade val="50000"/>
+            </a:schemeClr>
+          </a:lnRef>
+          <a:fillRef idx="1">
+            <a:schemeClr val="accent1"/>
+          </a:fillRef>
+          <a:effectRef idx="0">
+            <a:schemeClr val="accent1"/>
+          </a:effectRef>
+          <a:fontRef idx="minor">
+            <a:schemeClr val="lt1"/>
+          </a:fontRef>
+        </p:style>
+        <p:txBody>
+          <a:bodyPr rtlCol="0" anchor="ctr"/>
+          <a:lstStyle/>
+          <a:p>
+            <a:pPr algn="ctr"/>
+            <a:r>
+              <a:rPr kumimoji="1" lang="ja-JP" altLang="en-US" dirty="0"/>
+              <a:t>サムネ</a:t>
+            </a:r>
+          </a:p>
+        </p:txBody>
+      </p:sp>
+      <p:sp>
+        <p:nvSpPr>
+          <p:cNvPr id="15" name="正方形/長方形 14">
+            <a:extLst>
+              <a:ext uri="{FF2B5EF4-FFF2-40B4-BE49-F238E27FC236}">
+                <a16:creationId xmlns:a16="http://schemas.microsoft.com/office/drawing/2014/main" id="{05FAF5B3-D166-4700-9FDA-F3DE6FE9568D}"/>
+              </a:ext>
+            </a:extLst>
+          </p:cNvPr>
+          <p:cNvSpPr/>
+          <p:nvPr/>
+        </p:nvSpPr>
+        <p:spPr>
+          <a:xfrm>
+            <a:off x="2776754" y="4964237"/>
+            <a:ext cx="6395209" cy="1325562"/>
+          </a:xfrm>
+          <a:prstGeom prst="rect">
+            <a:avLst/>
+          </a:prstGeom>
+          <a:solidFill>
+            <a:schemeClr val="bg1"/>
+          </a:solidFill>
+          <a:ln>
+            <a:solidFill>
+              <a:schemeClr val="bg1">
+                <a:lumMod val="85000"/>
+              </a:schemeClr>
+            </a:solidFill>
+          </a:ln>
+        </p:spPr>
+        <p:style>
+          <a:lnRef idx="2">
+            <a:schemeClr val="accent1">
+              <a:shade val="50000"/>
+            </a:schemeClr>
+          </a:lnRef>
+          <a:fillRef idx="1">
+            <a:schemeClr val="accent1"/>
+          </a:fillRef>
+          <a:effectRef idx="0">
+            <a:schemeClr val="accent1"/>
+          </a:effectRef>
+          <a:fontRef idx="minor">
+            <a:schemeClr val="lt1"/>
+          </a:fontRef>
+        </p:style>
+        <p:txBody>
+          <a:bodyPr rtlCol="0" anchor="t"/>
+          <a:lstStyle/>
+          <a:p>
+            <a:r>
+              <a:rPr lang="en-US" altLang="ja-JP" dirty="0">
+                <a:solidFill>
+                  <a:schemeClr val="tx1"/>
+                </a:solidFill>
+              </a:rPr>
+              <a:t>#Angular, #</a:t>
+            </a:r>
+            <a:r>
+              <a:rPr lang="ja-JP" altLang="en-US" dirty="0">
+                <a:solidFill>
+                  <a:schemeClr val="tx1"/>
+                </a:solidFill>
+              </a:rPr>
+              <a:t>プログラミング</a:t>
+            </a:r>
+            <a:endParaRPr kumimoji="1" lang="en-US" altLang="ja-JP" dirty="0">
+              <a:solidFill>
+                <a:schemeClr val="tx1"/>
+              </a:solidFill>
+            </a:endParaRPr>
+          </a:p>
+          <a:p>
+            <a:r>
+              <a:rPr kumimoji="1" lang="en-US" altLang="ja-JP" dirty="0">
+                <a:solidFill>
+                  <a:schemeClr val="tx1"/>
+                </a:solidFill>
+              </a:rPr>
+              <a:t>2020-08-24【Angular】</a:t>
+            </a:r>
+            <a:r>
+              <a:rPr kumimoji="1" lang="ja-JP" altLang="en-US" dirty="0">
+                <a:solidFill>
+                  <a:schemeClr val="tx1"/>
+                </a:solidFill>
+              </a:rPr>
+              <a:t>ブログを作ってみた</a:t>
+            </a:r>
+            <a:endParaRPr kumimoji="1" lang="en-US" altLang="ja-JP" dirty="0">
+              <a:solidFill>
+                <a:schemeClr val="tx1"/>
+              </a:solidFill>
+            </a:endParaRPr>
+          </a:p>
+          <a:p>
+            <a:endParaRPr lang="en-US" altLang="ja-JP" dirty="0">
+              <a:solidFill>
+                <a:schemeClr val="tx1"/>
+              </a:solidFill>
+            </a:endParaRPr>
+          </a:p>
+          <a:p>
+            <a:r>
+              <a:rPr lang="ja-JP" altLang="en-US" dirty="0">
+                <a:solidFill>
+                  <a:schemeClr val="tx1"/>
+                </a:solidFill>
+              </a:rPr>
+              <a:t>　　　　　　　　サマリサマリサマリサマリサマリサマリ</a:t>
+            </a:r>
+            <a:r>
+              <a:rPr lang="en-US" altLang="ja-JP" dirty="0">
+                <a:solidFill>
+                  <a:schemeClr val="tx1"/>
+                </a:solidFill>
+              </a:rPr>
+              <a:t>..</a:t>
+            </a:r>
+            <a:endParaRPr kumimoji="1" lang="en-US" altLang="ja-JP" dirty="0">
+              <a:solidFill>
+                <a:schemeClr val="tx1"/>
+              </a:solidFill>
+            </a:endParaRPr>
+          </a:p>
+        </p:txBody>
+      </p:sp>
+      <p:cxnSp>
+        <p:nvCxnSpPr>
+          <p:cNvPr id="16" name="直線コネクタ 15">
+            <a:extLst>
+              <a:ext uri="{FF2B5EF4-FFF2-40B4-BE49-F238E27FC236}">
+                <a16:creationId xmlns:a16="http://schemas.microsoft.com/office/drawing/2014/main" id="{1953E595-3E5B-47CB-BBF2-19C815BB1C6D}"/>
+              </a:ext>
+            </a:extLst>
+          </p:cNvPr>
+          <p:cNvCxnSpPr/>
+          <p:nvPr/>
+        </p:nvCxnSpPr>
+        <p:spPr>
+          <a:xfrm>
+            <a:off x="2910980" y="5630855"/>
+            <a:ext cx="5897460" cy="0"/>
+          </a:xfrm>
+          <a:prstGeom prst="line">
+            <a:avLst/>
+          </a:prstGeom>
+          <a:ln>
+            <a:solidFill>
+              <a:schemeClr val="bg1">
+                <a:lumMod val="85000"/>
+              </a:schemeClr>
+            </a:solidFill>
+          </a:ln>
+        </p:spPr>
+        <p:style>
+          <a:lnRef idx="1">
+            <a:schemeClr val="accent1"/>
+          </a:lnRef>
+          <a:fillRef idx="0">
+            <a:schemeClr val="accent1"/>
+          </a:fillRef>
+          <a:effectRef idx="0">
+            <a:schemeClr val="accent1"/>
+          </a:effectRef>
+          <a:fontRef idx="minor">
+            <a:schemeClr val="tx1"/>
+          </a:fontRef>
+        </p:style>
+      </p:cxnSp>
+      <p:sp>
+        <p:nvSpPr>
+          <p:cNvPr id="17" name="正方形/長方形 16">
+            <a:extLst>
+              <a:ext uri="{FF2B5EF4-FFF2-40B4-BE49-F238E27FC236}">
+                <a16:creationId xmlns:a16="http://schemas.microsoft.com/office/drawing/2014/main" id="{EB88E3B4-B6D4-4E53-8EF3-166173170AC7}"/>
+              </a:ext>
+            </a:extLst>
+          </p:cNvPr>
+          <p:cNvSpPr/>
+          <p:nvPr/>
+        </p:nvSpPr>
+        <p:spPr>
+          <a:xfrm>
+            <a:off x="3020037" y="5739912"/>
+            <a:ext cx="1518407" cy="461393"/>
+          </a:xfrm>
+          <a:prstGeom prst="rect">
+            <a:avLst/>
+          </a:prstGeom>
+        </p:spPr>
+        <p:style>
+          <a:lnRef idx="2">
+            <a:schemeClr val="accent1">
+              <a:shade val="50000"/>
+            </a:schemeClr>
+          </a:lnRef>
+          <a:fillRef idx="1">
+            <a:schemeClr val="accent1"/>
+          </a:fillRef>
+          <a:effectRef idx="0">
+            <a:schemeClr val="accent1"/>
+          </a:effectRef>
+          <a:fontRef idx="minor">
+            <a:schemeClr val="lt1"/>
+          </a:fontRef>
+        </p:style>
+        <p:txBody>
+          <a:bodyPr rtlCol="0" anchor="ctr"/>
+          <a:lstStyle/>
+          <a:p>
+            <a:pPr algn="ctr"/>
+            <a:r>
+              <a:rPr kumimoji="1" lang="ja-JP" altLang="en-US" dirty="0"/>
+              <a:t>サムネ</a:t>
+            </a:r>
+          </a:p>
+        </p:txBody>
+      </p:sp>
+      <p:sp>
+        <p:nvSpPr>
+          <p:cNvPr id="18" name="楕円 17">
+            <a:extLst>
+              <a:ext uri="{FF2B5EF4-FFF2-40B4-BE49-F238E27FC236}">
+                <a16:creationId xmlns:a16="http://schemas.microsoft.com/office/drawing/2014/main" id="{BD4C2263-7C16-4BF2-AC4B-462D73C491D8}"/>
+              </a:ext>
+            </a:extLst>
+          </p:cNvPr>
+          <p:cNvSpPr/>
+          <p:nvPr/>
+        </p:nvSpPr>
+        <p:spPr>
+          <a:xfrm>
+            <a:off x="2801922" y="1753269"/>
+            <a:ext cx="1736522" cy="235025"/>
+          </a:xfrm>
+          <a:prstGeom prst="ellipse">
+            <a:avLst/>
+          </a:prstGeom>
+        </p:spPr>
+        <p:style>
+          <a:lnRef idx="2">
+            <a:schemeClr val="accent1">
+              <a:shade val="50000"/>
+            </a:schemeClr>
+          </a:lnRef>
+          <a:fillRef idx="1">
+            <a:schemeClr val="accent1"/>
+          </a:fillRef>
+          <a:effectRef idx="0">
+            <a:schemeClr val="accent1"/>
+          </a:effectRef>
+          <a:fontRef idx="minor">
+            <a:schemeClr val="lt1"/>
+          </a:fontRef>
+        </p:style>
+        <p:txBody>
+          <a:bodyPr rtlCol="0" anchor="ctr"/>
+          <a:lstStyle/>
+          <a:p>
+            <a:pPr algn="ctr"/>
+            <a:r>
+              <a:rPr kumimoji="1" lang="en-US" altLang="ja-JP" dirty="0"/>
+              <a:t>#Angular</a:t>
+            </a:r>
+            <a:endParaRPr kumimoji="1" lang="ja-JP" altLang="en-US" dirty="0"/>
+          </a:p>
+        </p:txBody>
+      </p:sp>
+      <p:sp>
+        <p:nvSpPr>
+          <p:cNvPr id="19" name="楕円 18">
+            <a:extLst>
+              <a:ext uri="{FF2B5EF4-FFF2-40B4-BE49-F238E27FC236}">
+                <a16:creationId xmlns:a16="http://schemas.microsoft.com/office/drawing/2014/main" id="{E3BDBDA1-CFF9-4064-A86D-A3CBD5512DE7}"/>
+              </a:ext>
+            </a:extLst>
+          </p:cNvPr>
+          <p:cNvSpPr/>
+          <p:nvPr/>
+        </p:nvSpPr>
+        <p:spPr>
+          <a:xfrm>
+            <a:off x="4630721" y="1753269"/>
+            <a:ext cx="2793535" cy="235025"/>
+          </a:xfrm>
+          <a:prstGeom prst="ellipse">
+            <a:avLst/>
+          </a:prstGeom>
+        </p:spPr>
+        <p:style>
+          <a:lnRef idx="2">
+            <a:schemeClr val="accent1">
+              <a:shade val="50000"/>
+            </a:schemeClr>
+          </a:lnRef>
+          <a:fillRef idx="1">
+            <a:schemeClr val="accent1"/>
+          </a:fillRef>
+          <a:effectRef idx="0">
+            <a:schemeClr val="accent1"/>
+          </a:effectRef>
+          <a:fontRef idx="minor">
+            <a:schemeClr val="lt1"/>
+          </a:fontRef>
+        </p:style>
+        <p:txBody>
+          <a:bodyPr rtlCol="0" anchor="ctr"/>
+          <a:lstStyle/>
+          <a:p>
+            <a:pPr algn="ctr"/>
+            <a:r>
+              <a:rPr kumimoji="1" lang="en-US" altLang="ja-JP" dirty="0"/>
+              <a:t>#</a:t>
+            </a:r>
+            <a:r>
+              <a:rPr kumimoji="1" lang="ja-JP" altLang="en-US" dirty="0"/>
+              <a:t>プログラミング</a:t>
+            </a:r>
+          </a:p>
+        </p:txBody>
+      </p:sp>
+    </p:spTree>
+    <p:extLst>
+      <p:ext uri="{BB962C8B-B14F-4D97-AF65-F5344CB8AC3E}">
+        <p14:creationId xmlns:p14="http://schemas.microsoft.com/office/powerpoint/2010/main" val="1065969210"/>
       </p:ext>
     </p:extLst>
   </p:cSld>
